--- a/paper/figures/FigFusion/FigFusion.pptx
+++ b/paper/figures/FigFusion/FigFusion.pptx
@@ -192,7 +192,7 @@
           <a:p>
             <a:fld id="{71CB5036-6E66-4814-B7BF-7C82BA227EC2}" type="datetimeFigureOut">
               <a:rPr lang="zh-CN" altLang="en-US" smtClean="0"/>
-              <a:t>2017/8/10</a:t>
+              <a:t>2017/9/4</a:t>
             </a:fld>
             <a:endParaRPr lang="zh-CN" altLang="en-US"/>
           </a:p>
@@ -725,7 +725,7 @@
           <a:p>
             <a:fld id="{530820CF-B880-4189-942D-D702A7CBA730}" type="datetimeFigureOut">
               <a:rPr lang="zh-CN" altLang="en-US" smtClean="0"/>
-              <a:t>2017/8/10</a:t>
+              <a:t>2017/9/4</a:t>
             </a:fld>
             <a:endParaRPr lang="zh-CN" altLang="en-US"/>
           </a:p>
@@ -890,7 +890,7 @@
           <a:p>
             <a:fld id="{530820CF-B880-4189-942D-D702A7CBA730}" type="datetimeFigureOut">
               <a:rPr lang="zh-CN" altLang="en-US" smtClean="0"/>
-              <a:t>2017/8/10</a:t>
+              <a:t>2017/9/4</a:t>
             </a:fld>
             <a:endParaRPr lang="zh-CN" altLang="en-US"/>
           </a:p>
@@ -1065,7 +1065,7 @@
           <a:p>
             <a:fld id="{530820CF-B880-4189-942D-D702A7CBA730}" type="datetimeFigureOut">
               <a:rPr lang="zh-CN" altLang="en-US" smtClean="0"/>
-              <a:t>2017/8/10</a:t>
+              <a:t>2017/9/4</a:t>
             </a:fld>
             <a:endParaRPr lang="zh-CN" altLang="en-US"/>
           </a:p>
@@ -1230,7 +1230,7 @@
           <a:p>
             <a:fld id="{530820CF-B880-4189-942D-D702A7CBA730}" type="datetimeFigureOut">
               <a:rPr lang="zh-CN" altLang="en-US" smtClean="0"/>
-              <a:t>2017/8/10</a:t>
+              <a:t>2017/9/4</a:t>
             </a:fld>
             <a:endParaRPr lang="zh-CN" altLang="en-US"/>
           </a:p>
@@ -1471,7 +1471,7 @@
           <a:p>
             <a:fld id="{530820CF-B880-4189-942D-D702A7CBA730}" type="datetimeFigureOut">
               <a:rPr lang="zh-CN" altLang="en-US" smtClean="0"/>
-              <a:t>2017/8/10</a:t>
+              <a:t>2017/9/4</a:t>
             </a:fld>
             <a:endParaRPr lang="zh-CN" altLang="en-US"/>
           </a:p>
@@ -1754,7 +1754,7 @@
           <a:p>
             <a:fld id="{530820CF-B880-4189-942D-D702A7CBA730}" type="datetimeFigureOut">
               <a:rPr lang="zh-CN" altLang="en-US" smtClean="0"/>
-              <a:t>2017/8/10</a:t>
+              <a:t>2017/9/4</a:t>
             </a:fld>
             <a:endParaRPr lang="zh-CN" altLang="en-US"/>
           </a:p>
@@ -2171,7 +2171,7 @@
           <a:p>
             <a:fld id="{530820CF-B880-4189-942D-D702A7CBA730}" type="datetimeFigureOut">
               <a:rPr lang="zh-CN" altLang="en-US" smtClean="0"/>
-              <a:t>2017/8/10</a:t>
+              <a:t>2017/9/4</a:t>
             </a:fld>
             <a:endParaRPr lang="zh-CN" altLang="en-US"/>
           </a:p>
@@ -2284,7 +2284,7 @@
           <a:p>
             <a:fld id="{530820CF-B880-4189-942D-D702A7CBA730}" type="datetimeFigureOut">
               <a:rPr lang="zh-CN" altLang="en-US" smtClean="0"/>
-              <a:t>2017/8/10</a:t>
+              <a:t>2017/9/4</a:t>
             </a:fld>
             <a:endParaRPr lang="zh-CN" altLang="en-US"/>
           </a:p>
@@ -2374,7 +2374,7 @@
           <a:p>
             <a:fld id="{530820CF-B880-4189-942D-D702A7CBA730}" type="datetimeFigureOut">
               <a:rPr lang="zh-CN" altLang="en-US" smtClean="0"/>
-              <a:t>2017/8/10</a:t>
+              <a:t>2017/9/4</a:t>
             </a:fld>
             <a:endParaRPr lang="zh-CN" altLang="en-US"/>
           </a:p>
@@ -2646,7 +2646,7 @@
           <a:p>
             <a:fld id="{530820CF-B880-4189-942D-D702A7CBA730}" type="datetimeFigureOut">
               <a:rPr lang="zh-CN" altLang="en-US" smtClean="0"/>
-              <a:t>2017/8/10</a:t>
+              <a:t>2017/9/4</a:t>
             </a:fld>
             <a:endParaRPr lang="zh-CN" altLang="en-US"/>
           </a:p>
@@ -2894,7 +2894,7 @@
           <a:p>
             <a:fld id="{530820CF-B880-4189-942D-D702A7CBA730}" type="datetimeFigureOut">
               <a:rPr lang="zh-CN" altLang="en-US" smtClean="0"/>
-              <a:t>2017/8/10</a:t>
+              <a:t>2017/9/4</a:t>
             </a:fld>
             <a:endParaRPr lang="zh-CN" altLang="en-US"/>
           </a:p>
@@ -3102,7 +3102,7 @@
           <a:p>
             <a:fld id="{530820CF-B880-4189-942D-D702A7CBA730}" type="datetimeFigureOut">
               <a:rPr lang="zh-CN" altLang="en-US" smtClean="0"/>
-              <a:t>2017/8/10</a:t>
+              <a:t>2017/9/4</a:t>
             </a:fld>
             <a:endParaRPr lang="zh-CN" altLang="en-US"/>
           </a:p>
@@ -3472,8 +3472,8 @@
           <a:chExt cx="0" cy="0"/>
         </a:xfrm>
       </p:grpSpPr>
-      <mc:AlternateContent xmlns:mc="http://schemas.openxmlformats.org/markup-compatibility/2006" xmlns:a14="http://schemas.microsoft.com/office/drawing/2010/main">
-        <mc:Choice Requires="a14">
+      <mc:AlternateContent xmlns:mc="http://schemas.openxmlformats.org/markup-compatibility/2006">
+        <mc:Choice xmlns:a14="http://schemas.microsoft.com/office/drawing/2010/main" Requires="a14">
           <p:sp>
             <p:nvSpPr>
               <p:cNvPr id="42" name="TextBox 41"/>
@@ -3483,7 +3483,7 @@
             <p:spPr>
               <a:xfrm>
                 <a:off x="2180059" y="5401022"/>
-                <a:ext cx="2196244" cy="584775"/>
+                <a:ext cx="2196244" cy="646331"/>
               </a:xfrm>
               <a:prstGeom prst="rect">
                 <a:avLst/>
@@ -3506,38 +3506,56 @@
                       <m:sSub>
                         <m:sSubPr>
                           <m:ctrlPr>
-                            <a:rPr lang="en-US" altLang="zh-CN" sz="1600" i="1" smtClean="0">
+                            <a:rPr lang="en-US" altLang="zh-CN" b="1" i="1" smtClean="0">
                               <a:latin typeface="Cambria Math"/>
                             </a:rPr>
                           </m:ctrlPr>
                         </m:sSubPr>
                         <m:e>
                           <m:r>
-                            <a:rPr lang="zh-CN" altLang="en-US" sz="1600" i="1" smtClean="0">
+                            <a:rPr lang="zh-CN" altLang="en-US" b="1" i="1" smtClean="0">
                               <a:latin typeface="Cambria Math"/>
                             </a:rPr>
-                            <m:t>𝜏</m:t>
+                            <m:t>𝝉</m:t>
                           </m:r>
                         </m:e>
                         <m:sub>
                           <m:r>
-                            <a:rPr lang="en-US" altLang="zh-CN" sz="1600" b="0" i="1" smtClean="0">
+                            <a:rPr lang="en-US" altLang="zh-CN" b="1" i="1" smtClean="0">
                               <a:latin typeface="Cambria Math"/>
                             </a:rPr>
-                            <m:t>1</m:t>
+                            <m:t>𝟏</m:t>
                           </m:r>
                         </m:sub>
                       </m:sSub>
                       <m:r>
-                        <a:rPr lang="en-US" altLang="zh-CN" sz="1600" b="0" i="1" smtClean="0">
+                        <a:rPr lang="en-US" altLang="zh-CN" b="1" i="1" smtClean="0">
                           <a:latin typeface="Cambria Math"/>
                         </a:rPr>
-                        <m:t>=0.5</m:t>
+                        <m:t>=</m:t>
+                      </m:r>
+                      <m:r>
+                        <a:rPr lang="en-US" altLang="zh-CN" b="1" i="1" smtClean="0">
+                          <a:latin typeface="Cambria Math"/>
+                        </a:rPr>
+                        <m:t>𝟎</m:t>
+                      </m:r>
+                      <m:r>
+                        <a:rPr lang="en-US" altLang="zh-CN" b="1" i="1" smtClean="0">
+                          <a:latin typeface="Cambria Math"/>
+                        </a:rPr>
+                        <m:t>.</m:t>
+                      </m:r>
+                      <m:r>
+                        <a:rPr lang="en-US" altLang="zh-CN" b="1" i="1" smtClean="0">
+                          <a:latin typeface="Cambria Math"/>
+                        </a:rPr>
+                        <m:t>𝟓</m:t>
                       </m:r>
                     </m:oMath>
                   </m:oMathPara>
                 </a14:m>
-                <a:endParaRPr lang="en-US" altLang="zh-CN" sz="1600" b="0" i="1" dirty="0" smtClean="0">
+                <a:endParaRPr lang="en-US" altLang="zh-CN" b="1" i="1" dirty="0" smtClean="0">
                   <a:latin typeface="Cambria Math"/>
                 </a:endParaRPr>
               </a:p>
@@ -3550,7 +3568,7 @@
                     </m:oMathParaPr>
                     <m:oMath xmlns:m="http://schemas.openxmlformats.org/officeDocument/2006/math">
                       <m:r>
-                        <a:rPr lang="en-US" altLang="zh-CN" sz="1600" b="0" i="1" smtClean="0">
+                        <a:rPr lang="en-US" altLang="zh-CN" b="1" i="1" smtClean="0">
                           <a:latin typeface="Cambria Math"/>
                         </a:rPr>
                         <m:t> </m:t>
@@ -3558,49 +3576,61 @@
                       <m:sSub>
                         <m:sSubPr>
                           <m:ctrlPr>
-                            <a:rPr lang="en-US" altLang="zh-CN" sz="1600" i="1">
+                            <a:rPr lang="en-US" altLang="zh-CN" b="1" i="1">
                               <a:latin typeface="Cambria Math"/>
                             </a:rPr>
                           </m:ctrlPr>
                         </m:sSubPr>
                         <m:e>
                           <m:r>
-                            <a:rPr lang="zh-CN" altLang="en-US" sz="1600" i="1">
+                            <a:rPr lang="zh-CN" altLang="en-US" b="1" i="1">
                               <a:latin typeface="Cambria Math"/>
                             </a:rPr>
-                            <m:t>𝜏</m:t>
+                            <m:t>𝝉</m:t>
                           </m:r>
                         </m:e>
                         <m:sub>
                           <m:r>
-                            <a:rPr lang="en-US" altLang="zh-CN" sz="1600" b="0" i="1" smtClean="0">
+                            <a:rPr lang="en-US" altLang="zh-CN" b="1" i="1" smtClean="0">
                               <a:latin typeface="Cambria Math"/>
                             </a:rPr>
-                            <m:t>2</m:t>
+                            <m:t>𝟐</m:t>
                           </m:r>
                         </m:sub>
                       </m:sSub>
                       <m:r>
-                        <a:rPr lang="en-US" altLang="zh-CN" sz="1600" i="1">
+                        <a:rPr lang="en-US" altLang="zh-CN" b="1" i="1">
                           <a:latin typeface="Cambria Math"/>
                         </a:rPr>
-                        <m:t>=0.</m:t>
+                        <m:t>=</m:t>
                       </m:r>
                       <m:r>
-                        <a:rPr lang="en-US" altLang="zh-CN" sz="1600" b="0" i="1" smtClean="0">
+                        <a:rPr lang="en-US" altLang="zh-CN" b="1" i="1">
                           <a:latin typeface="Cambria Math"/>
                         </a:rPr>
-                        <m:t>5</m:t>
+                        <m:t>𝟎</m:t>
+                      </m:r>
+                      <m:r>
+                        <a:rPr lang="en-US" altLang="zh-CN" b="1" i="1">
+                          <a:latin typeface="Cambria Math"/>
+                        </a:rPr>
+                        <m:t>.</m:t>
+                      </m:r>
+                      <m:r>
+                        <a:rPr lang="en-US" altLang="zh-CN" b="1" i="1" smtClean="0">
+                          <a:latin typeface="Cambria Math"/>
+                        </a:rPr>
+                        <m:t>𝟓</m:t>
                       </m:r>
                     </m:oMath>
                   </m:oMathPara>
                 </a14:m>
-                <a:endParaRPr lang="zh-CN" altLang="en-US" sz="1600" dirty="0"/>
+                <a:endParaRPr lang="zh-CN" altLang="en-US" b="1" dirty="0"/>
               </a:p>
             </p:txBody>
           </p:sp>
         </mc:Choice>
-        <mc:Fallback xmlns="">
+        <mc:Fallback>
           <p:sp>
             <p:nvSpPr>
               <p:cNvPr id="42" name="TextBox 41"/>
@@ -3612,7 +3642,7 @@
             <p:spPr>
               <a:xfrm>
                 <a:off x="2180059" y="5401022"/>
-                <a:ext cx="2196244" cy="584775"/>
+                <a:ext cx="2196244" cy="646331"/>
               </a:xfrm>
               <a:prstGeom prst="rect">
                 <a:avLst/>
@@ -3639,8 +3669,8 @@
           </p:sp>
         </mc:Fallback>
       </mc:AlternateContent>
-      <mc:AlternateContent xmlns:mc="http://schemas.openxmlformats.org/markup-compatibility/2006" xmlns:a14="http://schemas.microsoft.com/office/drawing/2010/main">
-        <mc:Choice Requires="a14">
+      <mc:AlternateContent xmlns:mc="http://schemas.openxmlformats.org/markup-compatibility/2006">
+        <mc:Choice xmlns:a14="http://schemas.microsoft.com/office/drawing/2010/main" Requires="a14">
           <p:sp>
             <p:nvSpPr>
               <p:cNvPr id="46" name="TextBox 45"/>
@@ -3650,7 +3680,7 @@
             <p:spPr>
               <a:xfrm>
                 <a:off x="3807676" y="5401022"/>
-                <a:ext cx="2196244" cy="584775"/>
+                <a:ext cx="2196244" cy="646331"/>
               </a:xfrm>
               <a:prstGeom prst="rect">
                 <a:avLst/>
@@ -3673,38 +3703,56 @@
                       <m:sSub>
                         <m:sSubPr>
                           <m:ctrlPr>
-                            <a:rPr lang="en-US" altLang="zh-CN" sz="1600" i="1" smtClean="0">
+                            <a:rPr lang="en-US" altLang="zh-CN" b="1" i="1" smtClean="0">
                               <a:latin typeface="Cambria Math"/>
                             </a:rPr>
                           </m:ctrlPr>
                         </m:sSubPr>
                         <m:e>
                           <m:r>
-                            <a:rPr lang="zh-CN" altLang="en-US" sz="1600" i="1" smtClean="0">
+                            <a:rPr lang="zh-CN" altLang="en-US" b="1" i="1" smtClean="0">
                               <a:latin typeface="Cambria Math"/>
                             </a:rPr>
-                            <m:t>𝜏</m:t>
+                            <m:t>𝝉</m:t>
                           </m:r>
                         </m:e>
                         <m:sub>
                           <m:r>
-                            <a:rPr lang="en-US" altLang="zh-CN" sz="1600" b="0" i="1" smtClean="0">
+                            <a:rPr lang="en-US" altLang="zh-CN" b="1" i="1" smtClean="0">
                               <a:latin typeface="Cambria Math"/>
                             </a:rPr>
-                            <m:t>1</m:t>
+                            <m:t>𝟏</m:t>
                           </m:r>
                         </m:sub>
                       </m:sSub>
                       <m:r>
-                        <a:rPr lang="en-US" altLang="zh-CN" sz="1600" b="0" i="1" smtClean="0">
+                        <a:rPr lang="en-US" altLang="zh-CN" b="1" i="1" smtClean="0">
                           <a:latin typeface="Cambria Math"/>
                         </a:rPr>
-                        <m:t>=0.3</m:t>
+                        <m:t>=</m:t>
+                      </m:r>
+                      <m:r>
+                        <a:rPr lang="en-US" altLang="zh-CN" b="1" i="1" smtClean="0">
+                          <a:latin typeface="Cambria Math"/>
+                        </a:rPr>
+                        <m:t>𝟎</m:t>
+                      </m:r>
+                      <m:r>
+                        <a:rPr lang="en-US" altLang="zh-CN" b="1" i="1" smtClean="0">
+                          <a:latin typeface="Cambria Math"/>
+                        </a:rPr>
+                        <m:t>.</m:t>
+                      </m:r>
+                      <m:r>
+                        <a:rPr lang="en-US" altLang="zh-CN" b="1" i="1" smtClean="0">
+                          <a:latin typeface="Cambria Math"/>
+                        </a:rPr>
+                        <m:t>𝟑</m:t>
                       </m:r>
                     </m:oMath>
                   </m:oMathPara>
                 </a14:m>
-                <a:endParaRPr lang="en-US" altLang="zh-CN" sz="1600" b="0" i="1" dirty="0" smtClean="0">
+                <a:endParaRPr lang="en-US" altLang="zh-CN" b="1" i="1" dirty="0" smtClean="0">
                   <a:latin typeface="Cambria Math"/>
                 </a:endParaRPr>
               </a:p>
@@ -3719,49 +3767,61 @@
                       <m:sSub>
                         <m:sSubPr>
                           <m:ctrlPr>
-                            <a:rPr lang="en-US" altLang="zh-CN" sz="1600" i="1" smtClean="0">
+                            <a:rPr lang="en-US" altLang="zh-CN" b="1" i="1" smtClean="0">
                               <a:latin typeface="Cambria Math"/>
                             </a:rPr>
                           </m:ctrlPr>
                         </m:sSubPr>
                         <m:e>
                           <m:r>
-                            <a:rPr lang="zh-CN" altLang="en-US" sz="1600" i="1">
+                            <a:rPr lang="zh-CN" altLang="en-US" b="1" i="1">
                               <a:latin typeface="Cambria Math"/>
                             </a:rPr>
-                            <m:t>𝜏</m:t>
+                            <m:t>𝝉</m:t>
                           </m:r>
                         </m:e>
                         <m:sub>
                           <m:r>
-                            <a:rPr lang="en-US" altLang="zh-CN" sz="1600" b="0" i="1" smtClean="0">
+                            <a:rPr lang="en-US" altLang="zh-CN" b="1" i="1" smtClean="0">
                               <a:latin typeface="Cambria Math"/>
                             </a:rPr>
-                            <m:t>2</m:t>
+                            <m:t>𝟐</m:t>
                           </m:r>
                         </m:sub>
                       </m:sSub>
                       <m:r>
-                        <a:rPr lang="en-US" altLang="zh-CN" sz="1600" i="1">
+                        <a:rPr lang="en-US" altLang="zh-CN" b="1" i="1">
                           <a:latin typeface="Cambria Math"/>
                         </a:rPr>
-                        <m:t>=0.</m:t>
+                        <m:t>=</m:t>
                       </m:r>
                       <m:r>
-                        <a:rPr lang="en-US" altLang="zh-CN" sz="1600" b="0" i="1" smtClean="0">
+                        <a:rPr lang="en-US" altLang="zh-CN" b="1" i="1">
                           <a:latin typeface="Cambria Math"/>
                         </a:rPr>
-                        <m:t>7</m:t>
+                        <m:t>𝟎</m:t>
+                      </m:r>
+                      <m:r>
+                        <a:rPr lang="en-US" altLang="zh-CN" b="1" i="1">
+                          <a:latin typeface="Cambria Math"/>
+                        </a:rPr>
+                        <m:t>.</m:t>
+                      </m:r>
+                      <m:r>
+                        <a:rPr lang="en-US" altLang="zh-CN" b="1" i="1" smtClean="0">
+                          <a:latin typeface="Cambria Math"/>
+                        </a:rPr>
+                        <m:t>𝟕</m:t>
                       </m:r>
                     </m:oMath>
                   </m:oMathPara>
                 </a14:m>
-                <a:endParaRPr lang="zh-CN" altLang="en-US" sz="1600" dirty="0"/>
+                <a:endParaRPr lang="zh-CN" altLang="en-US" b="1" dirty="0"/>
               </a:p>
             </p:txBody>
           </p:sp>
         </mc:Choice>
-        <mc:Fallback xmlns="">
+        <mc:Fallback>
           <p:sp>
             <p:nvSpPr>
               <p:cNvPr id="46" name="TextBox 45"/>
@@ -3773,7 +3833,7 @@
             <p:spPr>
               <a:xfrm>
                 <a:off x="3807676" y="5401022"/>
-                <a:ext cx="2196244" cy="584775"/>
+                <a:ext cx="2196244" cy="646331"/>
               </a:xfrm>
               <a:prstGeom prst="rect">
                 <a:avLst/>
@@ -3800,8 +3860,8 @@
           </p:sp>
         </mc:Fallback>
       </mc:AlternateContent>
-      <mc:AlternateContent xmlns:mc="http://schemas.openxmlformats.org/markup-compatibility/2006" xmlns:a14="http://schemas.microsoft.com/office/drawing/2010/main">
-        <mc:Choice Requires="a14">
+      <mc:AlternateContent xmlns:mc="http://schemas.openxmlformats.org/markup-compatibility/2006">
+        <mc:Choice xmlns:a14="http://schemas.microsoft.com/office/drawing/2010/main" Requires="a14">
           <p:sp>
             <p:nvSpPr>
               <p:cNvPr id="47" name="TextBox 46"/>
@@ -3811,7 +3871,7 @@
             <p:spPr>
               <a:xfrm>
                 <a:off x="5429888" y="5401022"/>
-                <a:ext cx="2196244" cy="584775"/>
+                <a:ext cx="2196244" cy="646331"/>
               </a:xfrm>
               <a:prstGeom prst="rect">
                 <a:avLst/>
@@ -3826,7 +3886,7 @@
               <a:p>
                 <a:pPr algn="ctr"/>
                 <a:r>
-                  <a:rPr lang="en-US" altLang="zh-CN" sz="1600" dirty="0" smtClean="0"/>
+                  <a:rPr lang="en-US" altLang="zh-CN" b="1" dirty="0" smtClean="0"/>
                   <a:t> </a:t>
                 </a:r>
                 <a14:m>
@@ -3834,37 +3894,55 @@
                     <m:sSub>
                       <m:sSubPr>
                         <m:ctrlPr>
-                          <a:rPr lang="en-US" altLang="zh-CN" sz="1600" i="1" smtClean="0">
+                          <a:rPr lang="en-US" altLang="zh-CN" b="1" i="1" smtClean="0">
                             <a:latin typeface="Cambria Math"/>
                           </a:rPr>
                         </m:ctrlPr>
                       </m:sSubPr>
                       <m:e>
                         <m:r>
-                          <a:rPr lang="zh-CN" altLang="en-US" sz="1600" i="1" smtClean="0">
+                          <a:rPr lang="zh-CN" altLang="en-US" b="1" i="1" smtClean="0">
                             <a:latin typeface="Cambria Math"/>
                           </a:rPr>
-                          <m:t>𝜏</m:t>
+                          <m:t>𝝉</m:t>
                         </m:r>
                       </m:e>
                       <m:sub>
                         <m:r>
-                          <a:rPr lang="en-US" altLang="zh-CN" sz="1600" b="0" i="1" smtClean="0">
+                          <a:rPr lang="en-US" altLang="zh-CN" b="1" i="1" smtClean="0">
                             <a:latin typeface="Cambria Math"/>
                           </a:rPr>
-                          <m:t>1</m:t>
+                          <m:t>𝟏</m:t>
                         </m:r>
                       </m:sub>
                     </m:sSub>
                     <m:r>
-                      <a:rPr lang="en-US" altLang="zh-CN" sz="1600" b="0" i="1" smtClean="0">
+                      <a:rPr lang="en-US" altLang="zh-CN" b="1" i="1" smtClean="0">
                         <a:latin typeface="Cambria Math"/>
                       </a:rPr>
-                      <m:t>=0.1</m:t>
+                      <m:t>=</m:t>
+                    </m:r>
+                    <m:r>
+                      <a:rPr lang="en-US" altLang="zh-CN" b="1" i="1" smtClean="0">
+                        <a:latin typeface="Cambria Math"/>
+                      </a:rPr>
+                      <m:t>𝟎</m:t>
+                    </m:r>
+                    <m:r>
+                      <a:rPr lang="en-US" altLang="zh-CN" b="1" i="1" smtClean="0">
+                        <a:latin typeface="Cambria Math"/>
+                      </a:rPr>
+                      <m:t>.</m:t>
+                    </m:r>
+                    <m:r>
+                      <a:rPr lang="en-US" altLang="zh-CN" b="1" i="1" smtClean="0">
+                        <a:latin typeface="Cambria Math"/>
+                      </a:rPr>
+                      <m:t>𝟏</m:t>
                     </m:r>
                   </m:oMath>
                 </a14:m>
-                <a:endParaRPr lang="en-US" altLang="zh-CN" sz="1600" b="0" i="1" dirty="0" smtClean="0">
+                <a:endParaRPr lang="en-US" altLang="zh-CN" b="1" i="1" dirty="0" smtClean="0">
                   <a:latin typeface="Cambria Math"/>
                 </a:endParaRPr>
               </a:p>
@@ -3879,49 +3957,61 @@
                       <m:sSub>
                         <m:sSubPr>
                           <m:ctrlPr>
-                            <a:rPr lang="en-US" altLang="zh-CN" sz="1600" i="1">
+                            <a:rPr lang="en-US" altLang="zh-CN" b="1" i="1">
                               <a:latin typeface="Cambria Math"/>
                             </a:rPr>
                           </m:ctrlPr>
                         </m:sSubPr>
                         <m:e>
                           <m:r>
-                            <a:rPr lang="zh-CN" altLang="en-US" sz="1600" i="1">
+                            <a:rPr lang="zh-CN" altLang="en-US" b="1" i="1">
                               <a:latin typeface="Cambria Math"/>
                             </a:rPr>
-                            <m:t>𝜏</m:t>
+                            <m:t>𝝉</m:t>
                           </m:r>
                         </m:e>
                         <m:sub>
                           <m:r>
-                            <a:rPr lang="en-US" altLang="zh-CN" sz="1600" b="0" i="1" smtClean="0">
+                            <a:rPr lang="en-US" altLang="zh-CN" b="1" i="1" smtClean="0">
                               <a:latin typeface="Cambria Math"/>
                             </a:rPr>
-                            <m:t>2</m:t>
+                            <m:t>𝟐</m:t>
                           </m:r>
                         </m:sub>
                       </m:sSub>
                       <m:r>
-                        <a:rPr lang="en-US" altLang="zh-CN" sz="1600" i="1">
+                        <a:rPr lang="en-US" altLang="zh-CN" b="1" i="1">
                           <a:latin typeface="Cambria Math"/>
                         </a:rPr>
-                        <m:t>=0.</m:t>
+                        <m:t>=</m:t>
                       </m:r>
                       <m:r>
-                        <a:rPr lang="en-US" altLang="zh-CN" sz="1600" b="0" i="1" smtClean="0">
+                        <a:rPr lang="en-US" altLang="zh-CN" b="1" i="1">
                           <a:latin typeface="Cambria Math"/>
                         </a:rPr>
-                        <m:t>9</m:t>
+                        <m:t>𝟎</m:t>
+                      </m:r>
+                      <m:r>
+                        <a:rPr lang="en-US" altLang="zh-CN" b="1" i="1">
+                          <a:latin typeface="Cambria Math"/>
+                        </a:rPr>
+                        <m:t>.</m:t>
+                      </m:r>
+                      <m:r>
+                        <a:rPr lang="en-US" altLang="zh-CN" b="1" i="1" smtClean="0">
+                          <a:latin typeface="Cambria Math"/>
+                        </a:rPr>
+                        <m:t>𝟗</m:t>
                       </m:r>
                     </m:oMath>
                   </m:oMathPara>
                 </a14:m>
-                <a:endParaRPr lang="zh-CN" altLang="en-US" sz="1600" dirty="0"/>
+                <a:endParaRPr lang="zh-CN" altLang="en-US" b="1" dirty="0"/>
               </a:p>
             </p:txBody>
           </p:sp>
         </mc:Choice>
-        <mc:Fallback xmlns="">
+        <mc:Fallback>
           <p:sp>
             <p:nvSpPr>
               <p:cNvPr id="47" name="TextBox 46"/>
@@ -3933,7 +4023,7 @@
             <p:spPr>
               <a:xfrm>
                 <a:off x="5429888" y="5401022"/>
-                <a:ext cx="2196244" cy="584775"/>
+                <a:ext cx="2196244" cy="646331"/>
               </a:xfrm>
               <a:prstGeom prst="rect">
                 <a:avLst/>
@@ -4124,7 +4214,7 @@
       </p:pic>
       <p:pic>
         <p:nvPicPr>
-          <p:cNvPr id="1035" name="Picture 11"/>
+          <p:cNvPr id="1036" name="Picture 12"/>
           <p:cNvPicPr>
             <a:picLocks noChangeAspect="1" noChangeArrowheads="1"/>
           </p:cNvPicPr>
@@ -4132,60 +4222,6 @@
         </p:nvPicPr>
         <p:blipFill>
           <a:blip r:embed="rId9">
-            <a:extLst>
-              <a:ext uri="{28A0092B-C50C-407E-A947-70E740481C1C}">
-                <a14:useLocalDpi xmlns:a14="http://schemas.microsoft.com/office/drawing/2010/main" val="0"/>
-              </a:ext>
-            </a:extLst>
-          </a:blip>
-          <a:srcRect/>
-          <a:stretch>
-            <a:fillRect/>
-          </a:stretch>
-        </p:blipFill>
-        <p:spPr bwMode="auto">
-          <a:xfrm>
-            <a:off x="2619547" y="3186576"/>
-            <a:ext cx="1317269" cy="2200275"/>
-          </a:xfrm>
-          <a:prstGeom prst="rect">
-            <a:avLst/>
-          </a:prstGeom>
-          <a:noFill/>
-          <a:ln>
-            <a:noFill/>
-          </a:ln>
-          <a:extLst>
-            <a:ext uri="{909E8E84-426E-40DD-AFC4-6F175D3DCCD1}">
-              <a14:hiddenFill xmlns:a14="http://schemas.microsoft.com/office/drawing/2010/main">
-                <a:solidFill>
-                  <a:schemeClr val="accent1"/>
-                </a:solidFill>
-              </a14:hiddenFill>
-            </a:ext>
-            <a:ext uri="{91240B29-F687-4F45-9708-019B960494DF}">
-              <a14:hiddenLine xmlns:a14="http://schemas.microsoft.com/office/drawing/2010/main" w="9525">
-                <a:solidFill>
-                  <a:schemeClr val="tx1"/>
-                </a:solidFill>
-                <a:miter lim="800000"/>
-                <a:headEnd/>
-                <a:tailEnd/>
-              </a14:hiddenLine>
-            </a:ext>
-          </a:extLst>
-        </p:spPr>
-      </p:pic>
-      <p:pic>
-        <p:nvPicPr>
-          <p:cNvPr id="1036" name="Picture 12"/>
-          <p:cNvPicPr>
-            <a:picLocks noChangeAspect="1" noChangeArrowheads="1"/>
-          </p:cNvPicPr>
-          <p:nvPr/>
-        </p:nvPicPr>
-        <p:blipFill>
-          <a:blip r:embed="rId10">
             <a:extLst>
               <a:ext uri="{28A0092B-C50C-407E-A947-70E740481C1C}">
                 <a14:useLocalDpi xmlns:a14="http://schemas.microsoft.com/office/drawing/2010/main" val="0"/>
@@ -4239,7 +4275,7 @@
           <p:nvPr/>
         </p:nvPicPr>
         <p:blipFill>
-          <a:blip r:embed="rId11">
+          <a:blip r:embed="rId10">
             <a:extLst>
               <a:ext uri="{28A0092B-C50C-407E-A947-70E740481C1C}">
                 <a14:useLocalDpi xmlns:a14="http://schemas.microsoft.com/office/drawing/2010/main" val="0"/>
@@ -4286,114 +4322,6 @@
       </p:pic>
       <p:pic>
         <p:nvPicPr>
-          <p:cNvPr id="1039" name="Picture 15"/>
-          <p:cNvPicPr>
-            <a:picLocks noChangeAspect="1" noChangeArrowheads="1"/>
-          </p:cNvPicPr>
-          <p:nvPr/>
-        </p:nvPicPr>
-        <p:blipFill>
-          <a:blip r:embed="rId12">
-            <a:extLst>
-              <a:ext uri="{28A0092B-C50C-407E-A947-70E740481C1C}">
-                <a14:useLocalDpi xmlns:a14="http://schemas.microsoft.com/office/drawing/2010/main" val="0"/>
-              </a:ext>
-            </a:extLst>
-          </a:blip>
-          <a:srcRect/>
-          <a:stretch>
-            <a:fillRect/>
-          </a:stretch>
-        </p:blipFill>
-        <p:spPr bwMode="auto">
-          <a:xfrm>
-            <a:off x="4257905" y="3172222"/>
-            <a:ext cx="1305477" cy="2222977"/>
-          </a:xfrm>
-          <a:prstGeom prst="rect">
-            <a:avLst/>
-          </a:prstGeom>
-          <a:noFill/>
-          <a:ln>
-            <a:noFill/>
-          </a:ln>
-          <a:extLst>
-            <a:ext uri="{909E8E84-426E-40DD-AFC4-6F175D3DCCD1}">
-              <a14:hiddenFill xmlns:a14="http://schemas.microsoft.com/office/drawing/2010/main">
-                <a:solidFill>
-                  <a:schemeClr val="accent1"/>
-                </a:solidFill>
-              </a14:hiddenFill>
-            </a:ext>
-            <a:ext uri="{91240B29-F687-4F45-9708-019B960494DF}">
-              <a14:hiddenLine xmlns:a14="http://schemas.microsoft.com/office/drawing/2010/main" w="9525">
-                <a:solidFill>
-                  <a:schemeClr val="tx1"/>
-                </a:solidFill>
-                <a:miter lim="800000"/>
-                <a:headEnd/>
-                <a:tailEnd/>
-              </a14:hiddenLine>
-            </a:ext>
-          </a:extLst>
-        </p:spPr>
-      </p:pic>
-      <p:pic>
-        <p:nvPicPr>
-          <p:cNvPr id="1040" name="Picture 16"/>
-          <p:cNvPicPr>
-            <a:picLocks noChangeAspect="1" noChangeArrowheads="1"/>
-          </p:cNvPicPr>
-          <p:nvPr/>
-        </p:nvPicPr>
-        <p:blipFill>
-          <a:blip r:embed="rId13">
-            <a:extLst>
-              <a:ext uri="{28A0092B-C50C-407E-A947-70E740481C1C}">
-                <a14:useLocalDpi xmlns:a14="http://schemas.microsoft.com/office/drawing/2010/main" val="0"/>
-              </a:ext>
-            </a:extLst>
-          </a:blip>
-          <a:srcRect/>
-          <a:stretch>
-            <a:fillRect/>
-          </a:stretch>
-        </p:blipFill>
-        <p:spPr bwMode="auto">
-          <a:xfrm>
-            <a:off x="5874696" y="3172222"/>
-            <a:ext cx="1306628" cy="2214629"/>
-          </a:xfrm>
-          <a:prstGeom prst="rect">
-            <a:avLst/>
-          </a:prstGeom>
-          <a:noFill/>
-          <a:ln>
-            <a:noFill/>
-          </a:ln>
-          <a:extLst>
-            <a:ext uri="{909E8E84-426E-40DD-AFC4-6F175D3DCCD1}">
-              <a14:hiddenFill xmlns:a14="http://schemas.microsoft.com/office/drawing/2010/main">
-                <a:solidFill>
-                  <a:schemeClr val="accent1"/>
-                </a:solidFill>
-              </a14:hiddenFill>
-            </a:ext>
-            <a:ext uri="{91240B29-F687-4F45-9708-019B960494DF}">
-              <a14:hiddenLine xmlns:a14="http://schemas.microsoft.com/office/drawing/2010/main" w="9525">
-                <a:solidFill>
-                  <a:schemeClr val="tx1"/>
-                </a:solidFill>
-                <a:miter lim="800000"/>
-                <a:headEnd/>
-                <a:tailEnd/>
-              </a14:hiddenLine>
-            </a:ext>
-          </a:extLst>
-        </p:spPr>
-      </p:pic>
-      <p:pic>
-        <p:nvPicPr>
           <p:cNvPr id="1041" name="Picture 17"/>
           <p:cNvPicPr>
             <a:picLocks noChangeAspect="1" noChangeArrowheads="1"/>
@@ -4401,7 +4329,7 @@
           <p:nvPr/>
         </p:nvPicPr>
         <p:blipFill>
-          <a:blip r:embed="rId14">
+          <a:blip r:embed="rId11">
             <a:extLst>
               <a:ext uri="{28A0092B-C50C-407E-A947-70E740481C1C}">
                 <a14:useLocalDpi xmlns:a14="http://schemas.microsoft.com/office/drawing/2010/main" val="0"/>
@@ -4446,8 +4374,8 @@
           </a:extLst>
         </p:spPr>
       </p:pic>
-      <mc:AlternateContent xmlns:mc="http://schemas.openxmlformats.org/markup-compatibility/2006" xmlns:a14="http://schemas.microsoft.com/office/drawing/2010/main">
-        <mc:Choice Requires="a14">
+      <mc:AlternateContent xmlns:mc="http://schemas.openxmlformats.org/markup-compatibility/2006">
+        <mc:Choice xmlns:a14="http://schemas.microsoft.com/office/drawing/2010/main" Requires="a14">
           <p:sp>
             <p:nvSpPr>
               <p:cNvPr id="49" name="TextBox 48"/>
@@ -4457,7 +4385,7 @@
             <p:spPr>
               <a:xfrm>
                 <a:off x="7048591" y="5401022"/>
-                <a:ext cx="2196244" cy="584775"/>
+                <a:ext cx="2196244" cy="646331"/>
               </a:xfrm>
               <a:prstGeom prst="rect">
                 <a:avLst/>
@@ -4472,7 +4400,7 @@
               <a:p>
                 <a:pPr algn="ctr"/>
                 <a:r>
-                  <a:rPr lang="en-US" altLang="zh-CN" sz="1600" dirty="0" smtClean="0"/>
+                  <a:rPr lang="en-US" altLang="zh-CN" b="1" dirty="0" smtClean="0"/>
                   <a:t> </a:t>
                 </a:r>
                 <a14:m>
@@ -4480,37 +4408,55 @@
                     <m:sSub>
                       <m:sSubPr>
                         <m:ctrlPr>
-                          <a:rPr lang="en-US" altLang="zh-CN" sz="1600" i="1" smtClean="0">
+                          <a:rPr lang="en-US" altLang="zh-CN" b="1" i="1" smtClean="0">
                             <a:latin typeface="Cambria Math"/>
                           </a:rPr>
                         </m:ctrlPr>
                       </m:sSubPr>
                       <m:e>
                         <m:r>
-                          <a:rPr lang="zh-CN" altLang="en-US" sz="1600" i="1" smtClean="0">
+                          <a:rPr lang="zh-CN" altLang="en-US" b="1" i="1" smtClean="0">
                             <a:latin typeface="Cambria Math"/>
                           </a:rPr>
-                          <m:t>𝜏</m:t>
+                          <m:t>𝝉</m:t>
                         </m:r>
                       </m:e>
                       <m:sub>
                         <m:r>
-                          <a:rPr lang="en-US" altLang="zh-CN" sz="1600" b="0" i="1" smtClean="0">
+                          <a:rPr lang="en-US" altLang="zh-CN" b="1" i="1" smtClean="0">
                             <a:latin typeface="Cambria Math"/>
                           </a:rPr>
-                          <m:t>1</m:t>
+                          <m:t>𝟏</m:t>
                         </m:r>
                       </m:sub>
                     </m:sSub>
                     <m:r>
-                      <a:rPr lang="en-US" altLang="zh-CN" sz="1600" b="0" i="1" smtClean="0">
+                      <a:rPr lang="en-US" altLang="zh-CN" b="1" i="1" smtClean="0">
                         <a:latin typeface="Cambria Math"/>
                       </a:rPr>
-                      <m:t>=0.01</m:t>
+                      <m:t>=</m:t>
+                    </m:r>
+                    <m:r>
+                      <a:rPr lang="en-US" altLang="zh-CN" b="1" i="1" smtClean="0">
+                        <a:latin typeface="Cambria Math"/>
+                      </a:rPr>
+                      <m:t>𝟎</m:t>
+                    </m:r>
+                    <m:r>
+                      <a:rPr lang="en-US" altLang="zh-CN" b="1" i="1" smtClean="0">
+                        <a:latin typeface="Cambria Math"/>
+                      </a:rPr>
+                      <m:t>.</m:t>
+                    </m:r>
+                    <m:r>
+                      <a:rPr lang="en-US" altLang="zh-CN" b="1" i="1" smtClean="0">
+                        <a:latin typeface="Cambria Math"/>
+                      </a:rPr>
+                      <m:t>𝟎𝟏</m:t>
                     </m:r>
                   </m:oMath>
                 </a14:m>
-                <a:endParaRPr lang="en-US" altLang="zh-CN" sz="1600" b="0" i="1" dirty="0" smtClean="0">
+                <a:endParaRPr lang="en-US" altLang="zh-CN" b="1" i="1" dirty="0" smtClean="0">
                   <a:latin typeface="Cambria Math"/>
                 </a:endParaRPr>
               </a:p>
@@ -4525,49 +4471,61 @@
                       <m:sSub>
                         <m:sSubPr>
                           <m:ctrlPr>
-                            <a:rPr lang="en-US" altLang="zh-CN" sz="1600" i="1">
+                            <a:rPr lang="en-US" altLang="zh-CN" b="1" i="1">
                               <a:latin typeface="Cambria Math"/>
                             </a:rPr>
                           </m:ctrlPr>
                         </m:sSubPr>
                         <m:e>
                           <m:r>
-                            <a:rPr lang="zh-CN" altLang="en-US" sz="1600" i="1">
+                            <a:rPr lang="zh-CN" altLang="en-US" b="1" i="1">
                               <a:latin typeface="Cambria Math"/>
                             </a:rPr>
-                            <m:t>𝜏</m:t>
+                            <m:t>𝝉</m:t>
                           </m:r>
                         </m:e>
                         <m:sub>
                           <m:r>
-                            <a:rPr lang="en-US" altLang="zh-CN" sz="1600" b="0" i="1" smtClean="0">
+                            <a:rPr lang="en-US" altLang="zh-CN" b="1" i="1" smtClean="0">
                               <a:latin typeface="Cambria Math"/>
                             </a:rPr>
-                            <m:t>2</m:t>
+                            <m:t>𝟐</m:t>
                           </m:r>
                         </m:sub>
                       </m:sSub>
                       <m:r>
-                        <a:rPr lang="en-US" altLang="zh-CN" sz="1600" i="1">
+                        <a:rPr lang="en-US" altLang="zh-CN" b="1" i="1">
                           <a:latin typeface="Cambria Math"/>
                         </a:rPr>
-                        <m:t>=0.</m:t>
+                        <m:t>=</m:t>
                       </m:r>
                       <m:r>
-                        <a:rPr lang="en-US" altLang="zh-CN" sz="1600" b="0" i="1" smtClean="0">
+                        <a:rPr lang="en-US" altLang="zh-CN" b="1" i="1">
                           <a:latin typeface="Cambria Math"/>
                         </a:rPr>
-                        <m:t>99</m:t>
+                        <m:t>𝟎</m:t>
+                      </m:r>
+                      <m:r>
+                        <a:rPr lang="en-US" altLang="zh-CN" b="1" i="1">
+                          <a:latin typeface="Cambria Math"/>
+                        </a:rPr>
+                        <m:t>.</m:t>
+                      </m:r>
+                      <m:r>
+                        <a:rPr lang="en-US" altLang="zh-CN" b="1" i="1" smtClean="0">
+                          <a:latin typeface="Cambria Math"/>
+                        </a:rPr>
+                        <m:t>𝟗𝟗</m:t>
                       </m:r>
                     </m:oMath>
                   </m:oMathPara>
                 </a14:m>
-                <a:endParaRPr lang="zh-CN" altLang="en-US" sz="1600" dirty="0"/>
+                <a:endParaRPr lang="zh-CN" altLang="en-US" b="1" dirty="0"/>
               </a:p>
             </p:txBody>
           </p:sp>
         </mc:Choice>
-        <mc:Fallback xmlns="">
+        <mc:Fallback>
           <p:sp>
             <p:nvSpPr>
               <p:cNvPr id="49" name="TextBox 48"/>
@@ -4579,13 +4537,13 @@
             <p:spPr>
               <a:xfrm>
                 <a:off x="7048591" y="5401022"/>
-                <a:ext cx="2196244" cy="584775"/>
+                <a:ext cx="2196244" cy="646331"/>
               </a:xfrm>
               <a:prstGeom prst="rect">
                 <a:avLst/>
               </a:prstGeom>
               <a:blipFill rotWithShape="1">
-                <a:blip r:embed="rId15"/>
+                <a:blip r:embed="rId12"/>
                 <a:stretch>
                   <a:fillRect/>
                 </a:stretch>
@@ -4606,60 +4564,6 @@
           </p:sp>
         </mc:Fallback>
       </mc:AlternateContent>
-      <p:pic>
-        <p:nvPicPr>
-          <p:cNvPr id="1043" name="Picture 19"/>
-          <p:cNvPicPr>
-            <a:picLocks noChangeAspect="1" noChangeArrowheads="1"/>
-          </p:cNvPicPr>
-          <p:nvPr/>
-        </p:nvPicPr>
-        <p:blipFill>
-          <a:blip r:embed="rId16">
-            <a:extLst>
-              <a:ext uri="{28A0092B-C50C-407E-A947-70E740481C1C}">
-                <a14:useLocalDpi xmlns:a14="http://schemas.microsoft.com/office/drawing/2010/main" val="0"/>
-              </a:ext>
-            </a:extLst>
-          </a:blip>
-          <a:srcRect/>
-          <a:stretch>
-            <a:fillRect/>
-          </a:stretch>
-        </p:blipFill>
-        <p:spPr bwMode="auto">
-          <a:xfrm>
-            <a:off x="7492722" y="3172222"/>
-            <a:ext cx="1307981" cy="2214629"/>
-          </a:xfrm>
-          <a:prstGeom prst="rect">
-            <a:avLst/>
-          </a:prstGeom>
-          <a:noFill/>
-          <a:ln>
-            <a:noFill/>
-          </a:ln>
-          <a:extLst>
-            <a:ext uri="{909E8E84-426E-40DD-AFC4-6F175D3DCCD1}">
-              <a14:hiddenFill xmlns:a14="http://schemas.microsoft.com/office/drawing/2010/main">
-                <a:solidFill>
-                  <a:schemeClr val="accent1"/>
-                </a:solidFill>
-              </a14:hiddenFill>
-            </a:ext>
-            <a:ext uri="{91240B29-F687-4F45-9708-019B960494DF}">
-              <a14:hiddenLine xmlns:a14="http://schemas.microsoft.com/office/drawing/2010/main" w="9525">
-                <a:solidFill>
-                  <a:schemeClr val="tx1"/>
-                </a:solidFill>
-                <a:miter lim="800000"/>
-                <a:headEnd/>
-                <a:tailEnd/>
-              </a14:hiddenLine>
-            </a:ext>
-          </a:extLst>
-        </p:spPr>
-      </p:pic>
       <p:sp>
         <p:nvSpPr>
           <p:cNvPr id="4" name="TextBox 3"/>
@@ -4668,8 +4572,8 @@
         </p:nvSpPr>
         <p:spPr>
           <a:xfrm>
-            <a:off x="789541" y="5512519"/>
-            <a:ext cx="1728192" cy="369332"/>
+            <a:off x="789541" y="5405154"/>
+            <a:ext cx="1728192" cy="400110"/>
           </a:xfrm>
           <a:prstGeom prst="rect">
             <a:avLst/>
@@ -4684,11 +4588,11 @@
           <a:p>
             <a:pPr algn="ctr"/>
             <a:r>
-              <a:rPr lang="en-US" altLang="zh-CN" dirty="0"/>
+              <a:rPr lang="en-US" altLang="zh-CN" sz="2000" b="1" dirty="0"/>
               <a:t>g</a:t>
             </a:r>
             <a:r>
-              <a:rPr lang="en-US" altLang="zh-CN" dirty="0" smtClean="0"/>
+              <a:rPr lang="en-US" altLang="zh-CN" sz="2000" b="1" dirty="0" smtClean="0"/>
               <a:t>round truth</a:t>
             </a:r>
           </a:p>
@@ -5126,6 +5030,47 @@
           </a:p>
         </p:txBody>
       </p:sp>
+      <p:pic>
+        <p:nvPicPr>
+          <p:cNvPr id="1026" name="Picture 2" descr="C:\Users\Administrator\Desktop\微信图片_20170904165056.png"/>
+          <p:cNvPicPr>
+            <a:picLocks noChangeAspect="1" noChangeArrowheads="1"/>
+          </p:cNvPicPr>
+          <p:nvPr/>
+        </p:nvPicPr>
+        <p:blipFill>
+          <a:blip r:embed="rId13">
+            <a:extLst>
+              <a:ext uri="{28A0092B-C50C-407E-A947-70E740481C1C}">
+                <a14:useLocalDpi xmlns:a14="http://schemas.microsoft.com/office/drawing/2010/main" val="0"/>
+              </a:ext>
+            </a:extLst>
+          </a:blip>
+          <a:srcRect/>
+          <a:stretch>
+            <a:fillRect/>
+          </a:stretch>
+        </p:blipFill>
+        <p:spPr bwMode="auto">
+          <a:xfrm>
+            <a:off x="4311774" y="3160426"/>
+            <a:ext cx="1304925" cy="2256595"/>
+          </a:xfrm>
+          <a:prstGeom prst="rect">
+            <a:avLst/>
+          </a:prstGeom>
+          <a:noFill/>
+          <a:extLst>
+            <a:ext uri="{909E8E84-426E-40DD-AFC4-6F175D3DCCD1}">
+              <a14:hiddenFill xmlns:a14="http://schemas.microsoft.com/office/drawing/2010/main">
+                <a:solidFill>
+                  <a:srgbClr val="FFFFFF"/>
+                </a:solidFill>
+              </a14:hiddenFill>
+            </a:ext>
+          </a:extLst>
+        </p:spPr>
+      </p:pic>
       <p:sp>
         <p:nvSpPr>
           <p:cNvPr id="32" name="矩形 31"/>
@@ -5134,7 +5079,7 @@
         </p:nvSpPr>
         <p:spPr>
           <a:xfrm>
-            <a:off x="4002885" y="3028682"/>
+            <a:off x="4184237" y="3013566"/>
             <a:ext cx="1580360" cy="146859"/>
           </a:xfrm>
           <a:prstGeom prst="rect">
@@ -5182,7 +5127,7 @@
         </p:nvSpPr>
         <p:spPr>
           <a:xfrm>
-            <a:off x="5554582" y="3068960"/>
+            <a:off x="5616699" y="3073152"/>
             <a:ext cx="53317" cy="2345382"/>
           </a:xfrm>
           <a:prstGeom prst="rect">
@@ -5278,8 +5223,8 @@
         </p:nvSpPr>
         <p:spPr>
           <a:xfrm>
-            <a:off x="789541" y="2780928"/>
-            <a:ext cx="1728192" cy="369332"/>
+            <a:off x="789541" y="2708920"/>
+            <a:ext cx="1728192" cy="400110"/>
           </a:xfrm>
           <a:prstGeom prst="rect">
             <a:avLst/>
@@ -5294,11 +5239,11 @@
           <a:p>
             <a:pPr algn="ctr"/>
             <a:r>
-              <a:rPr lang="en-US" altLang="zh-CN" dirty="0"/>
+              <a:rPr lang="en-US" altLang="zh-CN" sz="2000" b="1" dirty="0"/>
               <a:t>i</a:t>
             </a:r>
             <a:r>
-              <a:rPr lang="en-US" altLang="zh-CN" dirty="0" smtClean="0"/>
+              <a:rPr lang="en-US" altLang="zh-CN" sz="2000" b="1" dirty="0" smtClean="0"/>
               <a:t>mage</a:t>
             </a:r>
           </a:p>
@@ -5312,8 +5257,8 @@
         </p:nvSpPr>
         <p:spPr>
           <a:xfrm>
-            <a:off x="5112643" y="2780928"/>
-            <a:ext cx="1728192" cy="369332"/>
+            <a:off x="4443973" y="2812866"/>
+            <a:ext cx="3116942" cy="400110"/>
           </a:xfrm>
           <a:prstGeom prst="rect">
             <a:avLst/>
@@ -5328,7 +5273,7 @@
           <a:p>
             <a:pPr algn="ctr"/>
             <a:r>
-              <a:rPr lang="en-US" altLang="zh-CN" dirty="0" smtClean="0"/>
+              <a:rPr lang="en-US" altLang="zh-CN" sz="2000" b="1" dirty="0" smtClean="0"/>
               <a:t>objectness map</a:t>
             </a:r>
           </a:p>
@@ -5420,6 +5365,129 @@
           </a:p>
         </p:txBody>
       </p:sp>
+      <p:pic>
+        <p:nvPicPr>
+          <p:cNvPr id="1028" name="Picture 4" descr="C:\Users\Administrator\Desktop\微信图片_20170904165547.png"/>
+          <p:cNvPicPr>
+            <a:picLocks noChangeAspect="1" noChangeArrowheads="1"/>
+          </p:cNvPicPr>
+          <p:nvPr/>
+        </p:nvPicPr>
+        <p:blipFill>
+          <a:blip r:embed="rId14">
+            <a:extLst>
+              <a:ext uri="{28A0092B-C50C-407E-A947-70E740481C1C}">
+                <a14:useLocalDpi xmlns:a14="http://schemas.microsoft.com/office/drawing/2010/main" val="0"/>
+              </a:ext>
+            </a:extLst>
+          </a:blip>
+          <a:srcRect/>
+          <a:stretch>
+            <a:fillRect/>
+          </a:stretch>
+        </p:blipFill>
+        <p:spPr bwMode="auto">
+          <a:xfrm>
+            <a:off x="5874780" y="3186577"/>
+            <a:ext cx="1306545" cy="2231957"/>
+          </a:xfrm>
+          <a:prstGeom prst="rect">
+            <a:avLst/>
+          </a:prstGeom>
+          <a:noFill/>
+          <a:extLst>
+            <a:ext uri="{909E8E84-426E-40DD-AFC4-6F175D3DCCD1}">
+              <a14:hiddenFill xmlns:a14="http://schemas.microsoft.com/office/drawing/2010/main">
+                <a:solidFill>
+                  <a:srgbClr val="FFFFFF"/>
+                </a:solidFill>
+              </a14:hiddenFill>
+            </a:ext>
+          </a:extLst>
+        </p:spPr>
+      </p:pic>
+      <p:pic>
+        <p:nvPicPr>
+          <p:cNvPr id="7" name="Picture 6" descr="C:\Users\Administrator\Desktop\微信图片_20170904170240.png"/>
+          <p:cNvPicPr>
+            <a:picLocks noChangeAspect="1" noChangeArrowheads="1"/>
+          </p:cNvPicPr>
+          <p:nvPr/>
+        </p:nvPicPr>
+        <p:blipFill>
+          <a:blip r:embed="rId15">
+            <a:extLst>
+              <a:ext uri="{28A0092B-C50C-407E-A947-70E740481C1C}">
+                <a14:useLocalDpi xmlns:a14="http://schemas.microsoft.com/office/drawing/2010/main" val="0"/>
+              </a:ext>
+            </a:extLst>
+          </a:blip>
+          <a:srcRect/>
+          <a:stretch>
+            <a:fillRect/>
+          </a:stretch>
+        </p:blipFill>
+        <p:spPr bwMode="auto">
+          <a:xfrm>
+            <a:off x="2619545" y="3186577"/>
+            <a:ext cx="1268961" cy="2199900"/>
+          </a:xfrm>
+          <a:prstGeom prst="rect">
+            <a:avLst/>
+          </a:prstGeom>
+          <a:noFill/>
+          <a:extLst>
+            <a:ext uri="{909E8E84-426E-40DD-AFC4-6F175D3DCCD1}">
+              <a14:hiddenFill xmlns:a14="http://schemas.microsoft.com/office/drawing/2010/main">
+                <a:solidFill>
+                  <a:srgbClr val="FFFFFF"/>
+                </a:solidFill>
+              </a14:hiddenFill>
+            </a:ext>
+          </a:extLst>
+        </p:spPr>
+      </p:pic>
+      <p:pic>
+        <p:nvPicPr>
+          <p:cNvPr id="1031" name="Picture 7" descr="C:\Users\Administrator\Desktop\微信图片_20170904165829.png"/>
+          <p:cNvPicPr>
+            <a:picLocks noChangeAspect="1" noChangeArrowheads="1"/>
+          </p:cNvPicPr>
+          <p:nvPr/>
+        </p:nvPicPr>
+        <p:blipFill>
+          <a:blip r:embed="rId16">
+            <a:extLst>
+              <a:ext uri="{28A0092B-C50C-407E-A947-70E740481C1C}">
+                <a14:useLocalDpi xmlns:a14="http://schemas.microsoft.com/office/drawing/2010/main" val="0"/>
+              </a:ext>
+            </a:extLst>
+          </a:blip>
+          <a:srcRect/>
+          <a:stretch>
+            <a:fillRect/>
+          </a:stretch>
+        </p:blipFill>
+        <p:spPr bwMode="auto">
+          <a:xfrm>
+            <a:off x="7492723" y="3186202"/>
+            <a:ext cx="1307981" cy="2232331"/>
+          </a:xfrm>
+          <a:prstGeom prst="rect">
+            <a:avLst/>
+          </a:prstGeom>
+          <a:noFill/>
+          <a:extLst>
+            <a:ext uri="{909E8E84-426E-40DD-AFC4-6F175D3DCCD1}">
+              <a14:hiddenFill xmlns:a14="http://schemas.microsoft.com/office/drawing/2010/main">
+                <a:solidFill>
+                  <a:srgbClr val="FFFFFF"/>
+                </a:solidFill>
+              </a14:hiddenFill>
+            </a:ext>
+          </a:extLst>
+        </p:spPr>
+      </p:pic>
     </p:spTree>
     <p:extLst>
       <p:ext uri="{BB962C8B-B14F-4D97-AF65-F5344CB8AC3E}">
